--- a/assets/Project03.pptx
+++ b/assets/Project03.pptx
@@ -9790,7 +9790,7 @@
             </a:pPr>
             <a:r>
               <a:rPr lang="en" dirty="0"/>
-              <a:t>Marlon Gonzalez, Emeka OkpalaTalita Rosa, Stephen Wei</a:t>
+              <a:t>Marlon Gonzalez, Emeka Okpala, Talita Rosa, Stephen Wei</a:t>
             </a:r>
             <a:endParaRPr dirty="0"/>
           </a:p>
@@ -9853,7 +9853,7 @@
             </a:pPr>
             <a:r>
               <a:rPr lang="en-US" dirty="0"/>
-              <a:t>To create a web-based application for note taking that is saved on an online database that can be accessed from any device.</a:t>
+              <a:t>To create a MERN-stack, single-page application for tracking Fitness sessions/entries that is saved on an online database for access from any device.</a:t>
             </a:r>
             <a:endParaRPr dirty="0"/>
           </a:p>
@@ -9959,7 +9959,7 @@
             </a:r>
             <a:r>
               <a:rPr lang="en" b="1" dirty="0"/>
-              <a:t>a web-based notetaking application utilizing express.js and a SQL database for data storage/retrival </a:t>
+              <a:t>a MERN-stack, single-page application utilizing GraphQL, Mongoose ODM, and JWT authentication for data storage/retrival </a:t>
             </a:r>
           </a:p>
           <a:p>
@@ -9988,11 +9988,11 @@
             </a:pPr>
             <a:r>
               <a:rPr lang="en" dirty="0"/>
-              <a:t>Motivation for development? </a:t>
+              <a:t>Motivation: </a:t>
             </a:r>
             <a:r>
               <a:rPr lang="en" b="1" dirty="0"/>
-              <a:t>Notetaking on a word document is inconvenient and cannot be accessed from different devices.</a:t>
+              <a:t>to keep tract of fitness progress so that it is easily retrievable  from different devices.</a:t>
             </a:r>
           </a:p>
           <a:p>
@@ -10033,16 +10033,8 @@
               <a:buChar char="●"/>
             </a:pPr>
             <a:r>
-              <a:rPr lang="en" b="1" dirty="0"/>
-              <a:t>As a user, </a:t>
-            </a:r>
-            <a:r>
               <a:rPr lang="en-US" b="1" dirty="0"/>
-              <a:t>I</a:t>
-            </a:r>
-            <a:r>
-              <a:rPr lang="en" b="1" dirty="0"/>
-              <a:t> want to be able to view previous notes in card format with their entry #, Title, Description, and Category.</a:t>
+              <a:t>As a user, I want to be able to register and log in. </a:t>
             </a:r>
           </a:p>
           <a:p>
@@ -10054,9 +10046,18 @@
               <a:buChar char="●"/>
             </a:pPr>
             <a:r>
+              <a:rPr lang="en" b="1" dirty="0"/>
+              <a:t>As a user, </a:t>
+            </a:r>
+            <a:r>
               <a:rPr lang="en-US" b="1" dirty="0"/>
-              <a:t>As a user, I want the option to register and log in. </a:t>
-            </a:r>
+              <a:t>I</a:t>
+            </a:r>
+            <a:r>
+              <a:rPr lang="en" b="1" dirty="0"/>
+              <a:t> want to be able to view previous fitness entries.</a:t>
+            </a:r>
+            <a:endParaRPr lang="en-US" b="1" dirty="0"/>
           </a:p>
           <a:p>
             <a:pPr lvl="1" indent="-342900">
@@ -10068,33 +10069,7 @@
             </a:pPr>
             <a:r>
               <a:rPr lang="en-US" b="1" dirty="0"/>
-              <a:t>As a user, I want to be able to edit any previous notes and save or discard changes.</a:t>
-            </a:r>
-          </a:p>
-          <a:p>
-            <a:pPr lvl="1" indent="-342900">
-              <a:spcBef>
-                <a:spcPts val="0"/>
-              </a:spcBef>
-              <a:buSzPts val="1800"/>
-              <a:buChar char="●"/>
-            </a:pPr>
-            <a:r>
-              <a:rPr lang="en-US" b="1" dirty="0"/>
-              <a:t>As a user when I click on “New Note”, I want to be lead to a new page with an entry form.</a:t>
-            </a:r>
-          </a:p>
-          <a:p>
-            <a:pPr lvl="1" indent="-342900">
-              <a:spcBef>
-                <a:spcPts val="0"/>
-              </a:spcBef>
-              <a:buSzPts val="1800"/>
-              <a:buChar char="●"/>
-            </a:pPr>
-            <a:r>
-              <a:rPr lang="en-US" b="1" dirty="0"/>
-              <a:t>As a user, I want to be able to create/edit/remove categories as needed.</a:t>
+              <a:t>As a user when I click on “New Entry”, I want to be submit my latest workout.</a:t>
             </a:r>
           </a:p>
           <a:p>
@@ -10228,7 +10203,7 @@
             </a:pPr>
             <a:r>
               <a:rPr lang="en" dirty="0"/>
-              <a:t>Handlebar</a:t>
+              <a:t>React front end</a:t>
             </a:r>
           </a:p>
           <a:p>
@@ -10241,7 +10216,7 @@
             </a:pPr>
             <a:r>
               <a:rPr lang="en" dirty="0"/>
-              <a:t>Express.js</a:t>
+              <a:t>GraphQL</a:t>
             </a:r>
           </a:p>
           <a:p>
@@ -10254,8 +10229,13 @@
             </a:pPr>
             <a:r>
               <a:rPr lang="en-US" dirty="0"/>
-              <a:t>Postgres SQL</a:t>
-            </a:r>
+              <a:t>N</a:t>
+            </a:r>
+            <a:r>
+              <a:rPr lang="en" dirty="0"/>
+              <a:t>ode.js and express.js</a:t>
+            </a:r>
+            <a:endParaRPr lang="en-US" dirty="0"/>
           </a:p>
           <a:p>
             <a:pPr lvl="1" indent="-342900">
@@ -10267,7 +10247,7 @@
             </a:pPr>
             <a:r>
               <a:rPr lang="en-US" dirty="0"/>
-              <a:t>Bootstrap</a:t>
+              <a:t>MongoDB and Mongoose ODM</a:t>
             </a:r>
           </a:p>
           <a:p>
@@ -10279,10 +10259,9 @@
               <a:buChar char="●"/>
             </a:pPr>
             <a:r>
-              <a:rPr lang="en-US" dirty="0" err="1"/>
-              <a:t>Bcrypt</a:t>
-            </a:r>
-            <a:endParaRPr lang="en-US" dirty="0"/>
+              <a:rPr lang="en-US" dirty="0"/>
+              <a:t>Authentication (JWT)</a:t>
+            </a:r>
           </a:p>
           <a:p>
             <a:pPr lvl="1" indent="-342900">
@@ -10293,24 +10272,9 @@
               <a:buChar char="●"/>
             </a:pPr>
             <a:r>
-              <a:rPr lang="en-US" dirty="0" err="1"/>
-              <a:t>Sequelize</a:t>
-            </a:r>
-            <a:endParaRPr lang="en-US" dirty="0"/>
-          </a:p>
-          <a:p>
-            <a:pPr lvl="1" indent="-342900">
-              <a:spcBef>
-                <a:spcPts val="0"/>
-              </a:spcBef>
-              <a:buSzPts val="1800"/>
-              <a:buChar char="●"/>
-            </a:pPr>
-            <a:r>
-              <a:rPr lang="en-US" dirty="0" err="1"/>
-              <a:t>Nodemon</a:t>
-            </a:r>
-            <a:endParaRPr lang="en-US" dirty="0"/>
+              <a:rPr lang="en-US" dirty="0"/>
+              <a:t>Render/Atlas</a:t>
+            </a:r>
           </a:p>
           <a:p>
             <a:pPr lvl="1" indent="-342900">
@@ -10346,10 +10310,7 @@
               <a:buSzPts val="1800"/>
               <a:buChar char="●"/>
             </a:pPr>
-            <a:r>
-              <a:rPr lang="en-US" dirty="0"/>
-              <a:t>Framework, frontend, backend, Troubleshooting- Christopher</a:t>
-            </a:r>
+            <a:endParaRPr lang="en" b="1" dirty="0"/>
           </a:p>
           <a:p>
             <a:pPr lvl="1" indent="-342900">
@@ -10359,9 +10320,22 @@
               <a:buSzPts val="1800"/>
               <a:buChar char="●"/>
             </a:pPr>
-            <a:r>
-              <a:rPr lang="en-US" dirty="0"/>
-              <a:t>Troubleshooting, CSS- Emeka</a:t>
+            <a:endParaRPr lang="en-US" dirty="0"/>
+          </a:p>
+          <a:p>
+            <a:pPr marL="457200" lvl="0" indent="-342900" algn="l" rtl="0">
+              <a:spcBef>
+                <a:spcPts val="0"/>
+              </a:spcBef>
+              <a:spcAft>
+                <a:spcPts val="0"/>
+              </a:spcAft>
+              <a:buSzPts val="1800"/>
+              <a:buChar char="●"/>
+            </a:pPr>
+            <a:r>
+              <a:rPr lang="en" b="1" dirty="0"/>
+              <a:t>Challenges</a:t>
             </a:r>
           </a:p>
           <a:p>
@@ -10374,23 +10348,7 @@
             </a:pPr>
             <a:r>
               <a:rPr lang="en-US" dirty="0"/>
-              <a:t>Troubleshooting, deployment, testing- Stephen</a:t>
-            </a:r>
-          </a:p>
-          <a:p>
-            <a:pPr marL="457200" lvl="0" indent="-342900" algn="l" rtl="0">
-              <a:spcBef>
-                <a:spcPts val="0"/>
-              </a:spcBef>
-              <a:spcAft>
-                <a:spcPts val="0"/>
-              </a:spcAft>
-              <a:buSzPts val="1800"/>
-              <a:buChar char="●"/>
-            </a:pPr>
-            <a:r>
-              <a:rPr lang="en" b="1" dirty="0"/>
-              <a:t>Challenges</a:t>
+              <a:t>Render issues</a:t>
             </a:r>
           </a:p>
           <a:p>
@@ -10403,26 +10361,8 @@
             </a:pPr>
             <a:r>
               <a:rPr lang="en-US" dirty="0"/>
-              <a:t>Render issues</a:t>
-            </a:r>
-          </a:p>
-          <a:p>
-            <a:pPr lvl="1" indent="-342900">
-              <a:spcBef>
-                <a:spcPts val="0"/>
-              </a:spcBef>
-              <a:buSzPts val="1800"/>
-              <a:buChar char="●"/>
-            </a:pPr>
-            <a:r>
-              <a:rPr lang="en-US" dirty="0"/>
-              <a:t>Environment issues and loading </a:t>
-            </a:r>
-            <a:r>
-              <a:rPr lang="en-US" dirty="0" err="1"/>
-              <a:t>psql</a:t>
-            </a:r>
-            <a:endParaRPr dirty="0"/>
+              <a:t>Authentication and porting issues</a:t>
+            </a:r>
           </a:p>
           <a:p>
             <a:pPr marL="457200" lvl="0" indent="-342900" algn="l" rtl="0">
@@ -10615,7 +10555,7 @@
             </a:pPr>
             <a:r>
               <a:rPr lang="en-US" b="1" dirty="0"/>
-              <a:t>Adding on private notes for users who log in.</a:t>
+              <a:t>Ability to edit or delete previous workouts.</a:t>
             </a:r>
           </a:p>
           <a:p>
@@ -10631,8 +10571,36 @@
             </a:pPr>
             <a:r>
               <a:rPr lang="en-US" b="1" dirty="0"/>
-              <a:t>Providing users with ability to filter and group notes together.</a:t>
-            </a:r>
+              <a:t>To be able to filter my workouts and group them</a:t>
+            </a:r>
+          </a:p>
+          <a:p>
+            <a:pPr marL="285750" lvl="0" indent="-285750" algn="l" rtl="0">
+              <a:spcBef>
+                <a:spcPts val="0"/>
+              </a:spcBef>
+              <a:spcAft>
+                <a:spcPts val="1600"/>
+              </a:spcAft>
+              <a:buFontTx/>
+              <a:buChar char="-"/>
+            </a:pPr>
+            <a:r>
+              <a:rPr lang="en-US" b="1" dirty="0"/>
+              <a:t>Add workout buddy suggestion for people with similar workouts</a:t>
+            </a:r>
+          </a:p>
+          <a:p>
+            <a:pPr marL="285750" lvl="0" indent="-285750" algn="l" rtl="0">
+              <a:spcBef>
+                <a:spcPts val="0"/>
+              </a:spcBef>
+              <a:spcAft>
+                <a:spcPts val="1600"/>
+              </a:spcAft>
+              <a:buFontTx/>
+              <a:buChar char="-"/>
+            </a:pPr>
             <a:endParaRPr b="1" dirty="0"/>
           </a:p>
         </p:txBody>
@@ -10736,10 +10704,12 @@
               <a:t>Deployed: </a:t>
             </a:r>
             <a:r>
-              <a:rPr lang="en-US" b="1" dirty="0"/>
-              <a:t>https://project02-2.onrender.com</a:t>
-            </a:r>
-            <a:endParaRPr b="1" dirty="0"/>
+              <a:rPr lang="en-US" b="1" dirty="0">
+                <a:hlinkClick r:id="rId3"/>
+              </a:rPr>
+              <a:t>https://fitness-tracker-yx3g.onrender.com</a:t>
+            </a:r>
+            <a:endParaRPr lang="en-US" b="1" dirty="0"/>
           </a:p>
           <a:p>
             <a:pPr marL="457200" lvl="0" indent="-342900" algn="l" rtl="0">
@@ -10758,7 +10728,7 @@
             </a:r>
             <a:r>
               <a:rPr lang="en-US" b="1" dirty="0"/>
-              <a:t>https://github.com/stephenw987/Project02.git</a:t>
+              <a:t>https://github.com/stephenw987/Fitness-Tracker.git</a:t>
             </a:r>
             <a:endParaRPr b="1" dirty="0"/>
           </a:p>

--- a/assets/Project03.pptx
+++ b/assets/Project03.pptx
@@ -1564,7 +1564,7 @@
           <a:p>
             <a:fld id="{48A87A34-81AB-432B-8DAE-1953F412C126}" type="datetimeFigureOut">
               <a:rPr lang="en-US" smtClean="0"/>
-              <a:t>11/7/2024</a:t>
+              <a:t>11/12/2024</a:t>
             </a:fld>
             <a:endParaRPr lang="en-US" dirty="0"/>
           </a:p>
@@ -1989,7 +1989,7 @@
             <a:fld id="{48A87A34-81AB-432B-8DAE-1953F412C126}" type="datetimeFigureOut">
               <a:rPr lang="en-US" smtClean="0"/>
               <a:pPr/>
-              <a:t>11/7/2024</a:t>
+              <a:t>11/12/2024</a:t>
             </a:fld>
             <a:endParaRPr lang="en-US" dirty="0"/>
           </a:p>
@@ -2336,7 +2336,7 @@
             <a:fld id="{48A87A34-81AB-432B-8DAE-1953F412C126}" type="datetimeFigureOut">
               <a:rPr lang="en-US" smtClean="0"/>
               <a:pPr/>
-              <a:t>11/7/2024</a:t>
+              <a:t>11/12/2024</a:t>
             </a:fld>
             <a:endParaRPr lang="en-US" dirty="0"/>
           </a:p>
@@ -2752,7 +2752,7 @@
             <a:fld id="{48A87A34-81AB-432B-8DAE-1953F412C126}" type="datetimeFigureOut">
               <a:rPr lang="en-US" smtClean="0"/>
               <a:pPr/>
-              <a:t>11/7/2024</a:t>
+              <a:t>11/12/2024</a:t>
             </a:fld>
             <a:endParaRPr lang="en-US" dirty="0"/>
           </a:p>
@@ -3331,7 +3331,7 @@
             <a:fld id="{48A87A34-81AB-432B-8DAE-1953F412C126}" type="datetimeFigureOut">
               <a:rPr lang="en-US" smtClean="0"/>
               <a:pPr/>
-              <a:t>11/7/2024</a:t>
+              <a:t>11/12/2024</a:t>
             </a:fld>
             <a:endParaRPr lang="en-US" dirty="0"/>
           </a:p>
@@ -4023,7 +4023,7 @@
             <a:fld id="{48A87A34-81AB-432B-8DAE-1953F412C126}" type="datetimeFigureOut">
               <a:rPr lang="en-US" smtClean="0"/>
               <a:pPr/>
-              <a:t>11/7/2024</a:t>
+              <a:t>11/12/2024</a:t>
             </a:fld>
             <a:endParaRPr lang="en-US" dirty="0"/>
           </a:p>
@@ -4947,7 +4947,7 @@
             <a:fld id="{48A87A34-81AB-432B-8DAE-1953F412C126}" type="datetimeFigureOut">
               <a:rPr lang="en-US" smtClean="0"/>
               <a:pPr/>
-              <a:t>11/7/2024</a:t>
+              <a:t>11/12/2024</a:t>
             </a:fld>
             <a:endParaRPr lang="en-US" dirty="0"/>
           </a:p>
@@ -5270,7 +5270,7 @@
           <a:p>
             <a:fld id="{48A87A34-81AB-432B-8DAE-1953F412C126}" type="datetimeFigureOut">
               <a:rPr lang="en-US" smtClean="0"/>
-              <a:t>11/7/2024</a:t>
+              <a:t>11/12/2024</a:t>
             </a:fld>
             <a:endParaRPr lang="en-US" dirty="0"/>
           </a:p>
@@ -5544,7 +5544,7 @@
           <a:p>
             <a:fld id="{48A87A34-81AB-432B-8DAE-1953F412C126}" type="datetimeFigureOut">
               <a:rPr lang="en-US" smtClean="0"/>
-              <a:t>11/7/2024</a:t>
+              <a:t>11/12/2024</a:t>
             </a:fld>
             <a:endParaRPr lang="en-US" dirty="0"/>
           </a:p>
@@ -6482,7 +6482,7 @@
           <a:p>
             <a:fld id="{48A87A34-81AB-432B-8DAE-1953F412C126}" type="datetimeFigureOut">
               <a:rPr lang="en-US" smtClean="0"/>
-              <a:t>11/7/2024</a:t>
+              <a:t>11/12/2024</a:t>
             </a:fld>
             <a:endParaRPr lang="en-US" dirty="0"/>
           </a:p>
@@ -6881,7 +6881,7 @@
           <a:p>
             <a:fld id="{48A87A34-81AB-432B-8DAE-1953F412C126}" type="datetimeFigureOut">
               <a:rPr lang="en-US" smtClean="0"/>
-              <a:t>11/7/2024</a:t>
+              <a:t>11/12/2024</a:t>
             </a:fld>
             <a:endParaRPr lang="en-US" dirty="0"/>
           </a:p>
@@ -7267,7 +7267,7 @@
           <a:p>
             <a:fld id="{48A87A34-81AB-432B-8DAE-1953F412C126}" type="datetimeFigureOut">
               <a:rPr lang="en-US" smtClean="0"/>
-              <a:t>11/7/2024</a:t>
+              <a:t>11/12/2024</a:t>
             </a:fld>
             <a:endParaRPr lang="en-US" dirty="0"/>
           </a:p>
@@ -7783,7 +7783,7 @@
           <a:p>
             <a:fld id="{48A87A34-81AB-432B-8DAE-1953F412C126}" type="datetimeFigureOut">
               <a:rPr lang="en-US" smtClean="0"/>
-              <a:t>11/7/2024</a:t>
+              <a:t>11/12/2024</a:t>
             </a:fld>
             <a:endParaRPr lang="en-US" dirty="0"/>
           </a:p>
@@ -8050,7 +8050,7 @@
           <a:p>
             <a:fld id="{48A87A34-81AB-432B-8DAE-1953F412C126}" type="datetimeFigureOut">
               <a:rPr lang="en-US" smtClean="0"/>
-              <a:t>11/7/2024</a:t>
+              <a:t>11/12/2024</a:t>
             </a:fld>
             <a:endParaRPr lang="en-US" dirty="0"/>
           </a:p>
@@ -8223,7 +8223,7 @@
           <a:p>
             <a:fld id="{48A87A34-81AB-432B-8DAE-1953F412C126}" type="datetimeFigureOut">
               <a:rPr lang="en-US" smtClean="0"/>
-              <a:t>11/7/2024</a:t>
+              <a:t>11/12/2024</a:t>
             </a:fld>
             <a:endParaRPr lang="en-US" dirty="0"/>
           </a:p>
@@ -8622,7 +8622,7 @@
           <a:p>
             <a:fld id="{48A87A34-81AB-432B-8DAE-1953F412C126}" type="datetimeFigureOut">
               <a:rPr lang="en-US" smtClean="0"/>
-              <a:t>11/7/2024</a:t>
+              <a:t>11/12/2024</a:t>
             </a:fld>
             <a:endParaRPr lang="en-US" dirty="0"/>
           </a:p>
@@ -9042,7 +9042,7 @@
             <a:fld id="{48A87A34-81AB-432B-8DAE-1953F412C126}" type="datetimeFigureOut">
               <a:rPr lang="en-US" smtClean="0"/>
               <a:pPr/>
-              <a:t>11/7/2024</a:t>
+              <a:t>11/12/2024</a:t>
             </a:fld>
             <a:endParaRPr lang="en-US" dirty="0"/>
           </a:p>
@@ -9297,7 +9297,7 @@
             <a:fld id="{48A87A34-81AB-432B-8DAE-1953F412C126}" type="datetimeFigureOut">
               <a:rPr lang="en-US" smtClean="0"/>
               <a:pPr/>
-              <a:t>11/7/2024</a:t>
+              <a:t>11/12/2024</a:t>
             </a:fld>
             <a:endParaRPr lang="en-US" dirty="0"/>
           </a:p>
@@ -10348,7 +10348,7 @@
             </a:pPr>
             <a:r>
               <a:rPr lang="en-US" dirty="0"/>
-              <a:t>Render issues</a:t>
+              <a:t>Render deployment issues</a:t>
             </a:r>
           </a:p>
           <a:p>
@@ -10361,7 +10361,37 @@
             </a:pPr>
             <a:r>
               <a:rPr lang="en-US" dirty="0"/>
+              <a:t>ENV</a:t>
+            </a:r>
+          </a:p>
+          <a:p>
+            <a:pPr lvl="1" indent="-342900">
+              <a:spcBef>
+                <a:spcPts val="0"/>
+              </a:spcBef>
+              <a:buSzPts val="1800"/>
+              <a:buChar char="●"/>
+            </a:pPr>
+            <a:r>
+              <a:rPr lang="en-US" dirty="0"/>
               <a:t>Authentication and porting issues</a:t>
+            </a:r>
+          </a:p>
+          <a:p>
+            <a:pPr lvl="1" indent="-342900">
+              <a:spcBef>
+                <a:spcPts val="0"/>
+              </a:spcBef>
+              <a:buSzPts val="1800"/>
+              <a:buChar char="●"/>
+            </a:pPr>
+            <a:r>
+              <a:rPr lang="en-US" dirty="0" err="1"/>
+              <a:t>GraphQL</a:t>
+            </a:r>
+            <a:r>
+              <a:rPr lang="en-US" dirty="0"/>
+              <a:t>/typedef definitions</a:t>
             </a:r>
           </a:p>
           <a:p>
@@ -10555,7 +10585,7 @@
             </a:pPr>
             <a:r>
               <a:rPr lang="en-US" b="1" dirty="0"/>
-              <a:t>Ability to edit or delete previous workouts.</a:t>
+              <a:t>Adding in visuals (graphs/charts) for previous workouts</a:t>
             </a:r>
           </a:p>
           <a:p>
